--- a/public/templates/monthly-achivement-template.pptx
+++ b/public/templates/monthly-achivement-template.pptx
@@ -962,7 +962,7 @@
           <a:p>
             <a:fld id="{B512D0B9-B91A-4409-86BB-458D6DAAE6ED}" type="datetimeFigureOut">
               <a:rPr lang="en-US" smtClean="0"/>
-              <a:t>8/5/2024</a:t>
+              <a:t>10/12/2024</a:t>
             </a:fld>
             <a:endParaRPr lang="en-US"/>
           </a:p>
@@ -2035,7 +2035,7 @@
           <a:p>
             <a:fld id="{A6F8FB97-FBBD-4ABA-85E4-B6BAD8F07FF0}" type="datetimeFigureOut">
               <a:rPr lang="en-US" smtClean="0"/>
-              <a:t>8/5/2024</a:t>
+              <a:t>10/12/2024</a:t>
             </a:fld>
             <a:endParaRPr lang="en-US"/>
           </a:p>
@@ -2286,7 +2286,7 @@
           <a:p>
             <a:fld id="{A6F8FB97-FBBD-4ABA-85E4-B6BAD8F07FF0}" type="datetimeFigureOut">
               <a:rPr lang="en-US" smtClean="0"/>
-              <a:t>8/5/2024</a:t>
+              <a:t>10/12/2024</a:t>
             </a:fld>
             <a:endParaRPr lang="en-US"/>
           </a:p>
@@ -2600,7 +2600,7 @@
           <a:p>
             <a:fld id="{A6F8FB97-FBBD-4ABA-85E4-B6BAD8F07FF0}" type="datetimeFigureOut">
               <a:rPr lang="en-US" smtClean="0"/>
-              <a:t>8/5/2024</a:t>
+              <a:t>10/12/2024</a:t>
             </a:fld>
             <a:endParaRPr lang="en-US"/>
           </a:p>
@@ -2941,7 +2941,7 @@
           <a:p>
             <a:fld id="{A6F8FB97-FBBD-4ABA-85E4-B6BAD8F07FF0}" type="datetimeFigureOut">
               <a:rPr lang="en-US" smtClean="0"/>
-              <a:t>8/5/2024</a:t>
+              <a:t>10/12/2024</a:t>
             </a:fld>
             <a:endParaRPr lang="en-US"/>
           </a:p>
@@ -3255,7 +3255,7 @@
           <a:p>
             <a:fld id="{A6F8FB97-FBBD-4ABA-85E4-B6BAD8F07FF0}" type="datetimeFigureOut">
               <a:rPr lang="en-US" smtClean="0"/>
-              <a:t>8/5/2024</a:t>
+              <a:t>10/12/2024</a:t>
             </a:fld>
             <a:endParaRPr lang="en-US"/>
           </a:p>
@@ -3648,7 +3648,7 @@
           <a:p>
             <a:fld id="{A6F8FB97-FBBD-4ABA-85E4-B6BAD8F07FF0}" type="datetimeFigureOut">
               <a:rPr lang="en-US" smtClean="0"/>
-              <a:t>8/5/2024</a:t>
+              <a:t>10/12/2024</a:t>
             </a:fld>
             <a:endParaRPr lang="en-US"/>
           </a:p>
@@ -3818,7 +3818,7 @@
           <a:p>
             <a:fld id="{A6F8FB97-FBBD-4ABA-85E4-B6BAD8F07FF0}" type="datetimeFigureOut">
               <a:rPr lang="en-US" smtClean="0"/>
-              <a:t>8/5/2024</a:t>
+              <a:t>10/12/2024</a:t>
             </a:fld>
             <a:endParaRPr lang="en-US"/>
           </a:p>
@@ -3998,7 +3998,7 @@
           <a:p>
             <a:fld id="{A6F8FB97-FBBD-4ABA-85E4-B6BAD8F07FF0}" type="datetimeFigureOut">
               <a:rPr lang="en-US" smtClean="0"/>
-              <a:t>8/5/2024</a:t>
+              <a:t>10/12/2024</a:t>
             </a:fld>
             <a:endParaRPr lang="en-US"/>
           </a:p>
@@ -4174,7 +4174,7 @@
           <a:p>
             <a:fld id="{A6F8FB97-FBBD-4ABA-85E4-B6BAD8F07FF0}" type="datetimeFigureOut">
               <a:rPr lang="en-US" smtClean="0"/>
-              <a:t>8/5/2024</a:t>
+              <a:t>10/12/2024</a:t>
             </a:fld>
             <a:endParaRPr lang="en-US"/>
           </a:p>
@@ -4421,7 +4421,7 @@
           <a:p>
             <a:fld id="{A6F8FB97-FBBD-4ABA-85E4-B6BAD8F07FF0}" type="datetimeFigureOut">
               <a:rPr lang="en-US" smtClean="0"/>
-              <a:t>8/5/2024</a:t>
+              <a:t>10/12/2024</a:t>
             </a:fld>
             <a:endParaRPr lang="en-US"/>
           </a:p>
@@ -4653,7 +4653,7 @@
           <a:p>
             <a:fld id="{A6F8FB97-FBBD-4ABA-85E4-B6BAD8F07FF0}" type="datetimeFigureOut">
               <a:rPr lang="en-US" smtClean="0"/>
-              <a:t>8/5/2024</a:t>
+              <a:t>10/12/2024</a:t>
             </a:fld>
             <a:endParaRPr lang="en-US"/>
           </a:p>
@@ -5027,7 +5027,7 @@
           <a:p>
             <a:fld id="{A6F8FB97-FBBD-4ABA-85E4-B6BAD8F07FF0}" type="datetimeFigureOut">
               <a:rPr lang="en-US" smtClean="0"/>
-              <a:t>8/5/2024</a:t>
+              <a:t>10/12/2024</a:t>
             </a:fld>
             <a:endParaRPr lang="en-US"/>
           </a:p>
@@ -5150,7 +5150,7 @@
           <a:p>
             <a:fld id="{A6F8FB97-FBBD-4ABA-85E4-B6BAD8F07FF0}" type="datetimeFigureOut">
               <a:rPr lang="en-US" smtClean="0"/>
-              <a:t>8/5/2024</a:t>
+              <a:t>10/12/2024</a:t>
             </a:fld>
             <a:endParaRPr lang="en-US"/>
           </a:p>
@@ -5245,7 +5245,7 @@
           <a:p>
             <a:fld id="{A6F8FB97-FBBD-4ABA-85E4-B6BAD8F07FF0}" type="datetimeFigureOut">
               <a:rPr lang="en-US" smtClean="0"/>
-              <a:t>8/5/2024</a:t>
+              <a:t>10/12/2024</a:t>
             </a:fld>
             <a:endParaRPr lang="en-US"/>
           </a:p>
@@ -5500,7 +5500,7 @@
           <a:p>
             <a:fld id="{A6F8FB97-FBBD-4ABA-85E4-B6BAD8F07FF0}" type="datetimeFigureOut">
               <a:rPr lang="en-US" smtClean="0"/>
-              <a:t>8/5/2024</a:t>
+              <a:t>10/12/2024</a:t>
             </a:fld>
             <a:endParaRPr lang="en-US"/>
           </a:p>
@@ -5763,7 +5763,7 @@
           <a:p>
             <a:fld id="{A6F8FB97-FBBD-4ABA-85E4-B6BAD8F07FF0}" type="datetimeFigureOut">
               <a:rPr lang="en-US" smtClean="0"/>
-              <a:t>8/5/2024</a:t>
+              <a:t>10/12/2024</a:t>
             </a:fld>
             <a:endParaRPr lang="en-US"/>
           </a:p>
@@ -6506,7 +6506,7 @@
           <a:p>
             <a:fld id="{A6F8FB97-FBBD-4ABA-85E4-B6BAD8F07FF0}" type="datetimeFigureOut">
               <a:rPr lang="en-US" smtClean="0"/>
-              <a:t>8/5/2024</a:t>
+              <a:t>10/12/2024</a:t>
             </a:fld>
             <a:endParaRPr lang="en-US"/>
           </a:p>
@@ -8852,22 +8852,10 @@
           </a:bodyPr>
           <a:lstStyle/>
           <a:p>
-            <a:r>
-              <a:rPr lang="en-US" sz="2000" dirty="0"/>
-              <a:t>We migrated our both network from our old office to our new office.</a:t>
-            </a:r>
-          </a:p>
-          <a:p>
-            <a:r>
-              <a:rPr lang="en-US" sz="2000" dirty="0"/>
-              <a:t>JTML running smoothly on Amra and Access-Tel simultaneously.</a:t>
-            </a:r>
-          </a:p>
-          <a:p>
-            <a:r>
-              <a:rPr lang="en-US" sz="2000" dirty="0"/>
-              <a:t>We also pulled a 12 Core Fiber in a new path for backup purpose.</a:t>
-            </a:r>
+            <a:pPr marL="0" indent="0">
+              <a:buNone/>
+            </a:pPr>
+            <a:endParaRPr lang="en-US" sz="2000"/>
           </a:p>
           <a:p>
             <a:pPr marL="0" indent="0">
@@ -9171,24 +9159,12 @@
           </a:bodyPr>
           <a:lstStyle/>
           <a:p>
-            <a:r>
-              <a:rPr lang="en-US" sz="2000" dirty="0"/>
-              <a:t>We Extended the coverage of our Wi-Fi network as needed.</a:t>
-            </a:r>
-          </a:p>
-          <a:p>
-            <a:r>
-              <a:rPr lang="en-US" sz="2000" dirty="0"/>
-              <a:t>Extended our network to Utility Building for their Machinery use purpose.</a:t>
-            </a:r>
-          </a:p>
-          <a:p>
-            <a:r>
-              <a:rPr lang="en-US" sz="2000" dirty="0"/>
-              <a:t>We Monitored CCTV Server Room Setup Activities. </a:t>
-            </a:r>
-          </a:p>
-          <a:p>
+            <a:endParaRPr lang="en-US" sz="2000" dirty="0"/>
+          </a:p>
+          <a:p>
+            <a:pPr marL="0" indent="0">
+              <a:buNone/>
+            </a:pPr>
             <a:endParaRPr lang="en-US" sz="2000" dirty="0"/>
           </a:p>
           <a:p>
@@ -9482,36 +9458,6 @@
           <a:bodyPr/>
           <a:lstStyle/>
           <a:p>
-            <a:r>
-              <a:rPr lang="en-US" dirty="0"/>
-              <a:t>Allocated the necessary PC to the appropriate individual.</a:t>
-            </a:r>
-          </a:p>
-          <a:p>
-            <a:r>
-              <a:rPr lang="en-US" dirty="0"/>
-              <a:t>Distributed and Replaced other IT accessories like new Multifunctional Printer to required Department and Office.</a:t>
-            </a:r>
-          </a:p>
-          <a:p>
-            <a:r>
-              <a:rPr lang="en-US" dirty="0"/>
-              <a:t>Monitored activities during CCTV UPS installation. </a:t>
-            </a:r>
-          </a:p>
-          <a:p>
-            <a:endParaRPr lang="en-US" dirty="0"/>
-          </a:p>
-          <a:p>
-            <a:endParaRPr lang="en-US" dirty="0"/>
-          </a:p>
-          <a:p>
-            <a:endParaRPr lang="en-US" dirty="0"/>
-          </a:p>
-          <a:p>
-            <a:endParaRPr lang="en-US" dirty="0"/>
-          </a:p>
-          <a:p>
             <a:pPr marL="0" indent="0">
               <a:buNone/>
             </a:pPr>
@@ -9816,85 +9762,6 @@
               <a:effectLst/>
               <a:latin typeface="Google Sans"/>
             </a:endParaRPr>
-          </a:p>
-          <a:p>
-            <a:r>
-              <a:rPr lang="en-US" sz="2000" b="0" i="0" dirty="0">
-                <a:solidFill>
-                  <a:schemeClr val="tx1"/>
-                </a:solidFill>
-                <a:effectLst/>
-                <a:latin typeface="Google Sans"/>
-              </a:rPr>
-              <a:t>Provided User end Support by Online or Offline.</a:t>
-            </a:r>
-          </a:p>
-          <a:p>
-            <a:r>
-              <a:rPr lang="en-US" sz="2000" b="0" i="0" dirty="0">
-                <a:solidFill>
-                  <a:schemeClr val="tx1"/>
-                </a:solidFill>
-                <a:effectLst/>
-                <a:latin typeface="Google Sans"/>
-              </a:rPr>
-              <a:t>Diagnosing and fixing computer and network problems.</a:t>
-            </a:r>
-          </a:p>
-          <a:p>
-            <a:r>
-              <a:rPr lang="en-US" sz="2000" b="0" i="0" dirty="0">
-                <a:solidFill>
-                  <a:schemeClr val="tx1"/>
-                </a:solidFill>
-                <a:effectLst/>
-                <a:latin typeface="Google Sans"/>
-              </a:rPr>
-              <a:t>Offering </a:t>
-            </a:r>
-            <a:r>
-              <a:rPr lang="en-US" sz="2000" b="0" i="0">
-                <a:solidFill>
-                  <a:schemeClr val="tx1"/>
-                </a:solidFill>
-                <a:effectLst/>
-                <a:latin typeface="Google Sans"/>
-              </a:rPr>
-              <a:t>technical support </a:t>
-            </a:r>
-            <a:r>
-              <a:rPr lang="en-US" sz="2000" b="0" i="0" dirty="0">
-                <a:solidFill>
-                  <a:schemeClr val="tx1"/>
-                </a:solidFill>
-                <a:effectLst/>
-                <a:latin typeface="Google Sans"/>
-              </a:rPr>
-              <a:t>for IT-related issues to others.</a:t>
-            </a:r>
-          </a:p>
-          <a:p>
-            <a:r>
-              <a:rPr lang="en-US" sz="2000" b="0" i="0" dirty="0">
-                <a:solidFill>
-                  <a:schemeClr val="tx1"/>
-                </a:solidFill>
-                <a:effectLst/>
-                <a:latin typeface="Google Sans"/>
-              </a:rPr>
-              <a:t>Installing OS and configuring software and Drivers.</a:t>
-            </a:r>
-          </a:p>
-          <a:p>
-            <a:r>
-              <a:rPr lang="en-US" sz="2000" dirty="0">
-                <a:solidFill>
-                  <a:schemeClr val="tx1"/>
-                </a:solidFill>
-                <a:latin typeface="Google Sans"/>
-              </a:rPr>
-              <a:t>Activating and Installing various software like Windows OS, AutoCAD , MS Office Suite etc.</a:t>
-            </a:r>
           </a:p>
           <a:p>
             <a:pPr marL="0" indent="0">
